--- a/module_12/Group Charlie Outland Adventures.pptx
+++ b/module_12/Group Charlie Outland Adventures.pptx
@@ -1115,19 +1115,7 @@
             <a:rPr lang="en-US" sz="1400" dirty="0">
               <a:latin typeface="Anaheim" panose="020B0604020202020204" charset="0"/>
             </a:rPr>
-            <a:t>Every </a:t>
-          </a:r>
-          <a:r>
-            <a:rPr lang="en-US" sz="1400" dirty="0" err="1">
-              <a:latin typeface="Anaheim" panose="020B0604020202020204" charset="0"/>
-            </a:rPr>
-            <a:t>Trek_History</a:t>
-          </a:r>
-          <a:r>
-            <a:rPr lang="en-US" sz="1400" dirty="0">
-              <a:latin typeface="Anaheim" panose="020B0604020202020204" charset="0"/>
-            </a:rPr>
-            <a:t> contains zero to many Orders transactions</a:t>
+            <a:t>Every Trek_History contains zero to many Orders transactions</a:t>
           </a:r>
         </a:p>
       </dgm:t>
@@ -1650,19 +1638,7 @@
             <a:rPr lang="en-US" sz="1400" kern="1200" dirty="0">
               <a:latin typeface="Anaheim" panose="020B0604020202020204" charset="0"/>
             </a:rPr>
-            <a:t>Every </a:t>
-          </a:r>
-          <a:r>
-            <a:rPr lang="en-US" sz="1400" kern="1200" dirty="0" err="1">
-              <a:latin typeface="Anaheim" panose="020B0604020202020204" charset="0"/>
-            </a:rPr>
-            <a:t>Trek_History</a:t>
-          </a:r>
-          <a:r>
-            <a:rPr lang="en-US" sz="1400" kern="1200" dirty="0">
-              <a:latin typeface="Anaheim" panose="020B0604020202020204" charset="0"/>
-            </a:rPr>
-            <a:t> contains zero to many Orders transactions</a:t>
+            <a:t>Every Trek_History contains zero to many Orders transactions</a:t>
           </a:r>
         </a:p>
       </dsp:txBody>
@@ -32849,7 +32825,7 @@
                   <a:schemeClr val="dk2"/>
                 </a:solidFill>
               </a:rPr>
-              <a:t>Think of this as your road map to what is being captured and how it relates to each other. Through these relationships, we can create a plethora of queries and reports so Outland Adventures can make information business decisions.</a:t>
+              <a:t>Think of this as your road map to what is being captured and how it relates to each other. Through these relationships, we can create a plethora of queries and reports so Outland Adventures can make informed business decisions.</a:t>
             </a:r>
           </a:p>
         </p:txBody>
